--- a/Week3- Project Presentation/G2M Case Study.pptx
+++ b/Week3- Project Presentation/G2M Case Study.pptx
@@ -8524,7 +8524,7 @@
         <p:spPr>
           <a:xfrm>
             <a:off x="112295" y="1491916"/>
-            <a:ext cx="12079703" cy="2585323"/>
+            <a:ext cx="12079703" cy="5293757"/>
           </a:xfrm>
           <a:prstGeom prst="rect">
             <a:avLst/>
@@ -8569,6 +8569,56 @@
               <a:rPr lang="en-GB" sz="2400" dirty="0"/>
               <a:t>, and City that contains information on 2 cab companies- Yellow Cab and Pink Cab</a:t>
             </a:r>
+          </a:p>
+          <a:p>
+            <a:endParaRPr lang="en-GB" sz="800" dirty="0"/>
+          </a:p>
+          <a:p>
+            <a:pPr marL="342900" indent="-342900">
+              <a:buFont typeface="Wingdings" panose="05000000000000000000" pitchFamily="2" charset="2"/>
+              <a:buChar char="Ø"/>
+            </a:pPr>
+            <a:r>
+              <a:rPr lang="en-GB" sz="2400" dirty="0"/>
+              <a:t>Cab_Data.csv – this file includes details of transaction for 2 cab companies</a:t>
+            </a:r>
+          </a:p>
+          <a:p>
+            <a:pPr marL="342900" indent="-342900">
+              <a:buFont typeface="Wingdings" panose="05000000000000000000" pitchFamily="2" charset="2"/>
+              <a:buChar char="Ø"/>
+            </a:pPr>
+            <a:r>
+              <a:rPr lang="en-GB" sz="2400" dirty="0"/>
+              <a:t>Customer_ID.csv – this is a mapping table that contains a unique identifier which links the customer’s demographic details</a:t>
+            </a:r>
+          </a:p>
+          <a:p>
+            <a:pPr marL="342900" indent="-342900">
+              <a:buFont typeface="Wingdings" panose="05000000000000000000" pitchFamily="2" charset="2"/>
+              <a:buChar char="Ø"/>
+            </a:pPr>
+            <a:r>
+              <a:rPr lang="en-GB" sz="2400" dirty="0"/>
+              <a:t>Transaction_ID.csv – this is a mapping table that contains transaction to customer mapping and payment mode</a:t>
+            </a:r>
+          </a:p>
+          <a:p>
+            <a:pPr marL="342900" indent="-342900">
+              <a:buFont typeface="Wingdings" panose="05000000000000000000" pitchFamily="2" charset="2"/>
+              <a:buChar char="Ø"/>
+            </a:pPr>
+            <a:r>
+              <a:rPr lang="en-GB" sz="2400" dirty="0"/>
+              <a:t>City.csv – this file contains list of US cities, their population and number of cab users</a:t>
+            </a:r>
+          </a:p>
+          <a:p>
+            <a:pPr marL="342900" indent="-342900">
+              <a:buFont typeface="Wingdings" panose="05000000000000000000" pitchFamily="2" charset="2"/>
+              <a:buChar char="Ø"/>
+            </a:pPr>
+            <a:endParaRPr lang="en-GB" sz="2400" dirty="0"/>
           </a:p>
           <a:p>
             <a:pPr marL="342900" indent="-342900">
@@ -8680,7 +8730,7 @@
                   <a:schemeClr val="accent5"/>
                 </a:solidFill>
               </a:rPr>
-              <a:t>Relationship Between Columns</a:t>
+              <a:t>Relationship Between Variables</a:t>
             </a:r>
           </a:p>
         </p:txBody>
@@ -8709,7 +8759,7 @@
         </p:spPr>
         <p:txBody>
           <a:bodyPr>
-            <a:normAutofit/>
+            <a:normAutofit lnSpcReduction="10000"/>
           </a:bodyPr>
           <a:lstStyle/>
           <a:p>
@@ -8778,7 +8828,13 @@
           <a:p>
             <a:r>
               <a:rPr lang="en-GB" sz="2400" dirty="0"/>
-              <a:t>From the pair plot and heat map, we can get to know that km travelled, price charged, cost of trip and profit has a direct relationship/ variation between each other</a:t>
+              <a:t>From the pair plot and heat map, we can get to know that km travelled, price charged, cost of trip and profit has strong correlation between each other</a:t>
+            </a:r>
+          </a:p>
+          <a:p>
+            <a:r>
+              <a:rPr lang="en-GB" sz="2400" dirty="0"/>
+              <a:t>Also No: of cab Users in the City and Population of the city has direct relationship/variation.</a:t>
             </a:r>
           </a:p>
         </p:txBody>
